--- a/05_presentacion/Presentación.pptx
+++ b/05_presentacion/Presentación.pptx
@@ -6909,6 +6909,28 @@
         </a:p>
       </dgm:t>
     </dgm:pt>
+    <dgm:pt modelId="{89C9B08D-29D8-2B4F-A7D3-C358D75A1231}">
+      <dgm:prSet/>
+      <dgm:spPr/>
+      <dgm:t>
+        <a:bodyPr/>
+        <a:lstStyle/>
+        <a:p>
+          <a:r>
+            <a:rPr lang="es-MX" dirty="0"/>
+            <a:t>Pocesamiento LLMS</a:t>
+          </a:r>
+        </a:p>
+      </dgm:t>
+    </dgm:pt>
+    <dgm:pt modelId="{91C361BE-95FC-4540-9E8C-516974158F01}" type="parTrans" cxnId="{B83A1A47-DF66-604D-B691-4159CF0B08C8}">
+      <dgm:prSet/>
+      <dgm:spPr/>
+    </dgm:pt>
+    <dgm:pt modelId="{08DFE999-8F0A-C74F-BA55-EDCF0A74F2F6}" type="sibTrans" cxnId="{B83A1A47-DF66-604D-B691-4159CF0B08C8}">
+      <dgm:prSet/>
+      <dgm:spPr/>
+    </dgm:pt>
     <dgm:pt modelId="{1F7E59DB-B5DC-6E4C-889E-A95954B17C7A}" type="pres">
       <dgm:prSet presAssocID="{289CC504-81D0-F549-B1C6-53C7A8E01DD4}" presName="CompostProcess" presStyleCnt="0">
         <dgm:presLayoutVars>
@@ -6927,7 +6949,7 @@
       <dgm:spPr/>
     </dgm:pt>
     <dgm:pt modelId="{3A337F34-FB7D-D340-A77D-7CD53EBCF189}" type="pres">
-      <dgm:prSet presAssocID="{31E820F1-1BB5-3843-9CFD-1303CD7223B4}" presName="textNode" presStyleLbl="node1" presStyleIdx="0" presStyleCnt="7">
+      <dgm:prSet presAssocID="{31E820F1-1BB5-3843-9CFD-1303CD7223B4}" presName="textNode" presStyleLbl="node1" presStyleIdx="0" presStyleCnt="8">
         <dgm:presLayoutVars>
           <dgm:bulletEnabled val="1"/>
         </dgm:presLayoutVars>
@@ -6939,7 +6961,7 @@
       <dgm:spPr/>
     </dgm:pt>
     <dgm:pt modelId="{14954F7E-ABAA-D04E-ACCD-1438E58C4D3E}" type="pres">
-      <dgm:prSet presAssocID="{080D202C-FB73-B341-8DDE-BDBB5945EB66}" presName="textNode" presStyleLbl="node1" presStyleIdx="1" presStyleCnt="7">
+      <dgm:prSet presAssocID="{080D202C-FB73-B341-8DDE-BDBB5945EB66}" presName="textNode" presStyleLbl="node1" presStyleIdx="1" presStyleCnt="8">
         <dgm:presLayoutVars>
           <dgm:bulletEnabled val="1"/>
         </dgm:presLayoutVars>
@@ -6951,7 +6973,7 @@
       <dgm:spPr/>
     </dgm:pt>
     <dgm:pt modelId="{618E9BC1-2D13-2F4A-B92D-F923B1735172}" type="pres">
-      <dgm:prSet presAssocID="{4BDEAF1B-3FE4-2544-BC64-121755951023}" presName="textNode" presStyleLbl="node1" presStyleIdx="2" presStyleCnt="7">
+      <dgm:prSet presAssocID="{4BDEAF1B-3FE4-2544-BC64-121755951023}" presName="textNode" presStyleLbl="node1" presStyleIdx="2" presStyleCnt="8">
         <dgm:presLayoutVars>
           <dgm:bulletEnabled val="1"/>
         </dgm:presLayoutVars>
@@ -6962,8 +6984,20 @@
       <dgm:prSet presAssocID="{05020406-4E34-C74B-89BA-F32C62010C38}" presName="sibTrans" presStyleCnt="0"/>
       <dgm:spPr/>
     </dgm:pt>
+    <dgm:pt modelId="{06E851A5-8887-5743-A7F8-B19075B0B9B8}" type="pres">
+      <dgm:prSet presAssocID="{89C9B08D-29D8-2B4F-A7D3-C358D75A1231}" presName="textNode" presStyleLbl="node1" presStyleIdx="3" presStyleCnt="8">
+        <dgm:presLayoutVars>
+          <dgm:bulletEnabled val="1"/>
+        </dgm:presLayoutVars>
+      </dgm:prSet>
+      <dgm:spPr/>
+    </dgm:pt>
+    <dgm:pt modelId="{E1F72637-FAD3-504D-BCA7-338F36A0E2AF}" type="pres">
+      <dgm:prSet presAssocID="{08DFE999-8F0A-C74F-BA55-EDCF0A74F2F6}" presName="sibTrans" presStyleCnt="0"/>
+      <dgm:spPr/>
+    </dgm:pt>
     <dgm:pt modelId="{611AEB3C-F43C-D649-855A-EE05BC42915D}" type="pres">
-      <dgm:prSet presAssocID="{4813A056-CEAC-D74C-9C19-C2EA5AFB2C40}" presName="textNode" presStyleLbl="node1" presStyleIdx="3" presStyleCnt="7">
+      <dgm:prSet presAssocID="{4813A056-CEAC-D74C-9C19-C2EA5AFB2C40}" presName="textNode" presStyleLbl="node1" presStyleIdx="4" presStyleCnt="8">
         <dgm:presLayoutVars>
           <dgm:bulletEnabled val="1"/>
         </dgm:presLayoutVars>
@@ -6975,7 +7009,7 @@
       <dgm:spPr/>
     </dgm:pt>
     <dgm:pt modelId="{5CDEA6FE-B9CD-AE43-8574-5F3F195D9000}" type="pres">
-      <dgm:prSet presAssocID="{ED7EC272-2EE1-0F4B-99B5-79E8F2C282FE}" presName="textNode" presStyleLbl="node1" presStyleIdx="4" presStyleCnt="7">
+      <dgm:prSet presAssocID="{ED7EC272-2EE1-0F4B-99B5-79E8F2C282FE}" presName="textNode" presStyleLbl="node1" presStyleIdx="5" presStyleCnt="8">
         <dgm:presLayoutVars>
           <dgm:bulletEnabled val="1"/>
         </dgm:presLayoutVars>
@@ -6987,7 +7021,7 @@
       <dgm:spPr/>
     </dgm:pt>
     <dgm:pt modelId="{939AF2F2-A43C-4949-A69A-50705DEF4A07}" type="pres">
-      <dgm:prSet presAssocID="{7515EB96-C78A-FC47-AE34-DDAA3651BAA2}" presName="textNode" presStyleLbl="node1" presStyleIdx="5" presStyleCnt="7">
+      <dgm:prSet presAssocID="{7515EB96-C78A-FC47-AE34-DDAA3651BAA2}" presName="textNode" presStyleLbl="node1" presStyleIdx="6" presStyleCnt="8">
         <dgm:presLayoutVars>
           <dgm:bulletEnabled val="1"/>
         </dgm:presLayoutVars>
@@ -6999,7 +7033,7 @@
       <dgm:spPr/>
     </dgm:pt>
     <dgm:pt modelId="{2287A0F4-B4FD-B64A-A5D4-06D31717B59F}" type="pres">
-      <dgm:prSet presAssocID="{30A6B45C-0DFC-0E43-B667-9099804F9A3C}" presName="textNode" presStyleLbl="node1" presStyleIdx="6" presStyleCnt="7">
+      <dgm:prSet presAssocID="{30A6B45C-0DFC-0E43-B667-9099804F9A3C}" presName="textNode" presStyleLbl="node1" presStyleIdx="7" presStyleCnt="8">
         <dgm:presLayoutVars>
           <dgm:bulletEnabled val="1"/>
         </dgm:presLayoutVars>
@@ -7009,15 +7043,17 @@
   </dgm:ptLst>
   <dgm:cxnLst>
     <dgm:cxn modelId="{0BB8CC09-80CC-6A47-B830-F3228FA72E6F}" type="presOf" srcId="{080D202C-FB73-B341-8DDE-BDBB5945EB66}" destId="{14954F7E-ABAA-D04E-ACCD-1438E58C4D3E}" srcOrd="0" destOrd="0" presId="urn:microsoft.com/office/officeart/2005/8/layout/hProcess9"/>
+    <dgm:cxn modelId="{1DEFC50E-C8CF-5246-A7A7-CC6614B29BC7}" type="presOf" srcId="{89C9B08D-29D8-2B4F-A7D3-C358D75A1231}" destId="{06E851A5-8887-5743-A7F8-B19075B0B9B8}" srcOrd="0" destOrd="0" presId="urn:microsoft.com/office/officeart/2005/8/layout/hProcess9"/>
     <dgm:cxn modelId="{80D7521A-BFAC-F64A-AF30-7967EB63CDF4}" srcId="{289CC504-81D0-F549-B1C6-53C7A8E01DD4}" destId="{4BDEAF1B-3FE4-2544-BC64-121755951023}" srcOrd="2" destOrd="0" parTransId="{B79ED6E2-F334-8842-9125-5E19E3480D4D}" sibTransId="{05020406-4E34-C74B-89BA-F32C62010C38}"/>
-    <dgm:cxn modelId="{62F0281C-2EE8-6542-B857-664432D195FE}" srcId="{289CC504-81D0-F549-B1C6-53C7A8E01DD4}" destId="{7515EB96-C78A-FC47-AE34-DDAA3651BAA2}" srcOrd="5" destOrd="0" parTransId="{0C3392B0-F327-054E-939B-61383CD14AF6}" sibTransId="{791D2F5B-A38D-6449-B991-DCFFCAAFD441}"/>
-    <dgm:cxn modelId="{3E813E47-7DF8-9541-9707-B1974DD700A0}" srcId="{289CC504-81D0-F549-B1C6-53C7A8E01DD4}" destId="{30A6B45C-0DFC-0E43-B667-9099804F9A3C}" srcOrd="6" destOrd="0" parTransId="{20D6AB9C-CC17-C148-A6B9-8D5B129EE775}" sibTransId="{B3A56D68-1093-FE43-B3C8-A3A5D30FF4DE}"/>
+    <dgm:cxn modelId="{62F0281C-2EE8-6542-B857-664432D195FE}" srcId="{289CC504-81D0-F549-B1C6-53C7A8E01DD4}" destId="{7515EB96-C78A-FC47-AE34-DDAA3651BAA2}" srcOrd="6" destOrd="0" parTransId="{0C3392B0-F327-054E-939B-61383CD14AF6}" sibTransId="{791D2F5B-A38D-6449-B991-DCFFCAAFD441}"/>
+    <dgm:cxn modelId="{B83A1A47-DF66-604D-B691-4159CF0B08C8}" srcId="{289CC504-81D0-F549-B1C6-53C7A8E01DD4}" destId="{89C9B08D-29D8-2B4F-A7D3-C358D75A1231}" srcOrd="3" destOrd="0" parTransId="{91C361BE-95FC-4540-9E8C-516974158F01}" sibTransId="{08DFE999-8F0A-C74F-BA55-EDCF0A74F2F6}"/>
+    <dgm:cxn modelId="{3E813E47-7DF8-9541-9707-B1974DD700A0}" srcId="{289CC504-81D0-F549-B1C6-53C7A8E01DD4}" destId="{30A6B45C-0DFC-0E43-B667-9099804F9A3C}" srcOrd="7" destOrd="0" parTransId="{20D6AB9C-CC17-C148-A6B9-8D5B129EE775}" sibTransId="{B3A56D68-1093-FE43-B3C8-A3A5D30FF4DE}"/>
     <dgm:cxn modelId="{08C92D49-8850-3145-AAA2-35EA66F76569}" type="presOf" srcId="{30A6B45C-0DFC-0E43-B667-9099804F9A3C}" destId="{2287A0F4-B4FD-B64A-A5D4-06D31717B59F}" srcOrd="0" destOrd="0" presId="urn:microsoft.com/office/officeart/2005/8/layout/hProcess9"/>
     <dgm:cxn modelId="{CC86B978-2D6F-1C42-8EEC-CA86B49E77DE}" type="presOf" srcId="{4BDEAF1B-3FE4-2544-BC64-121755951023}" destId="{618E9BC1-2D13-2F4A-B92D-F923B1735172}" srcOrd="0" destOrd="0" presId="urn:microsoft.com/office/officeart/2005/8/layout/hProcess9"/>
-    <dgm:cxn modelId="{4659B395-85C4-4042-A288-0A77B681B265}" srcId="{289CC504-81D0-F549-B1C6-53C7A8E01DD4}" destId="{4813A056-CEAC-D74C-9C19-C2EA5AFB2C40}" srcOrd="3" destOrd="0" parTransId="{4FABAF96-5C4A-3A4F-92DB-7A740354D31D}" sibTransId="{A0443989-EA07-3A42-BBDF-88FCE53FABA5}"/>
+    <dgm:cxn modelId="{4659B395-85C4-4042-A288-0A77B681B265}" srcId="{289CC504-81D0-F549-B1C6-53C7A8E01DD4}" destId="{4813A056-CEAC-D74C-9C19-C2EA5AFB2C40}" srcOrd="4" destOrd="0" parTransId="{4FABAF96-5C4A-3A4F-92DB-7A740354D31D}" sibTransId="{A0443989-EA07-3A42-BBDF-88FCE53FABA5}"/>
     <dgm:cxn modelId="{79182A9E-AF12-4F47-B8C1-5C7E420D87B5}" type="presOf" srcId="{ED7EC272-2EE1-0F4B-99B5-79E8F2C282FE}" destId="{5CDEA6FE-B9CD-AE43-8574-5F3F195D9000}" srcOrd="0" destOrd="0" presId="urn:microsoft.com/office/officeart/2005/8/layout/hProcess9"/>
     <dgm:cxn modelId="{881308AD-1A9F-924D-B564-0A67789409AD}" srcId="{289CC504-81D0-F549-B1C6-53C7A8E01DD4}" destId="{080D202C-FB73-B341-8DDE-BDBB5945EB66}" srcOrd="1" destOrd="0" parTransId="{DAC59442-9A2D-524E-B575-04348DEB718A}" sibTransId="{E9E415B7-4A00-9E4B-8DF9-AD51CE71853F}"/>
-    <dgm:cxn modelId="{78FE08B7-42C8-3E47-869A-D083CB58788F}" srcId="{289CC504-81D0-F549-B1C6-53C7A8E01DD4}" destId="{ED7EC272-2EE1-0F4B-99B5-79E8F2C282FE}" srcOrd="4" destOrd="0" parTransId="{AB0889F3-D209-5046-AC1D-3B2FC539E3E6}" sibTransId="{EB6F1CB5-0CB3-6745-9F08-22E59B536D76}"/>
+    <dgm:cxn modelId="{78FE08B7-42C8-3E47-869A-D083CB58788F}" srcId="{289CC504-81D0-F549-B1C6-53C7A8E01DD4}" destId="{ED7EC272-2EE1-0F4B-99B5-79E8F2C282FE}" srcOrd="5" destOrd="0" parTransId="{AB0889F3-D209-5046-AC1D-3B2FC539E3E6}" sibTransId="{EB6F1CB5-0CB3-6745-9F08-22E59B536D76}"/>
     <dgm:cxn modelId="{E45475BF-3B54-D646-98D4-8FF486A215A0}" type="presOf" srcId="{31E820F1-1BB5-3843-9CFD-1303CD7223B4}" destId="{3A337F34-FB7D-D340-A77D-7CD53EBCF189}" srcOrd="0" destOrd="0" presId="urn:microsoft.com/office/officeart/2005/8/layout/hProcess9"/>
     <dgm:cxn modelId="{BDB696C4-31C0-734C-8FE3-E2F3AD7BFD84}" type="presOf" srcId="{289CC504-81D0-F549-B1C6-53C7A8E01DD4}" destId="{1F7E59DB-B5DC-6E4C-889E-A95954B17C7A}" srcOrd="0" destOrd="0" presId="urn:microsoft.com/office/officeart/2005/8/layout/hProcess9"/>
     <dgm:cxn modelId="{87641ACE-8356-4849-8E2E-638CA7A96834}" type="presOf" srcId="{7515EB96-C78A-FC47-AE34-DDAA3651BAA2}" destId="{939AF2F2-A43C-4949-A69A-50705DEF4A07}" srcOrd="0" destOrd="0" presId="urn:microsoft.com/office/officeart/2005/8/layout/hProcess9"/>
@@ -7031,13 +7067,15 @@
     <dgm:cxn modelId="{C003D982-0BE9-FD47-B8F7-90B80ED6197A}" type="presParOf" srcId="{0D3DF9D9-1387-2A4D-9C34-01823499D28E}" destId="{D4B112AD-11A0-A14B-8F8D-6DAFDFB5D127}" srcOrd="3" destOrd="0" presId="urn:microsoft.com/office/officeart/2005/8/layout/hProcess9"/>
     <dgm:cxn modelId="{10AD1652-B3C9-C24A-9DBA-0A65DA19E50F}" type="presParOf" srcId="{0D3DF9D9-1387-2A4D-9C34-01823499D28E}" destId="{618E9BC1-2D13-2F4A-B92D-F923B1735172}" srcOrd="4" destOrd="0" presId="urn:microsoft.com/office/officeart/2005/8/layout/hProcess9"/>
     <dgm:cxn modelId="{58551E82-E9C6-E844-A67E-1503EA087D02}" type="presParOf" srcId="{0D3DF9D9-1387-2A4D-9C34-01823499D28E}" destId="{0F1B7BCB-8123-664A-83D5-9BA8741BBE37}" srcOrd="5" destOrd="0" presId="urn:microsoft.com/office/officeart/2005/8/layout/hProcess9"/>
-    <dgm:cxn modelId="{C183BC7C-5306-4544-87AE-F21C5E71919C}" type="presParOf" srcId="{0D3DF9D9-1387-2A4D-9C34-01823499D28E}" destId="{611AEB3C-F43C-D649-855A-EE05BC42915D}" srcOrd="6" destOrd="0" presId="urn:microsoft.com/office/officeart/2005/8/layout/hProcess9"/>
-    <dgm:cxn modelId="{97816C1C-640E-B04D-8E52-CA8878C6C7DB}" type="presParOf" srcId="{0D3DF9D9-1387-2A4D-9C34-01823499D28E}" destId="{A3FA3113-512E-DD4F-ABAF-DC56CE8151BE}" srcOrd="7" destOrd="0" presId="urn:microsoft.com/office/officeart/2005/8/layout/hProcess9"/>
-    <dgm:cxn modelId="{36BEA58B-1E2B-7944-8BB0-6C573E63AB25}" type="presParOf" srcId="{0D3DF9D9-1387-2A4D-9C34-01823499D28E}" destId="{5CDEA6FE-B9CD-AE43-8574-5F3F195D9000}" srcOrd="8" destOrd="0" presId="urn:microsoft.com/office/officeart/2005/8/layout/hProcess9"/>
-    <dgm:cxn modelId="{4E7F5FEA-6AD5-6249-B1CC-36C2A02CDFFC}" type="presParOf" srcId="{0D3DF9D9-1387-2A4D-9C34-01823499D28E}" destId="{9485BBE2-7027-B34D-A8E7-1184909DF903}" srcOrd="9" destOrd="0" presId="urn:microsoft.com/office/officeart/2005/8/layout/hProcess9"/>
-    <dgm:cxn modelId="{65F6447B-581A-B346-9B1F-B0A45C915C3C}" type="presParOf" srcId="{0D3DF9D9-1387-2A4D-9C34-01823499D28E}" destId="{939AF2F2-A43C-4949-A69A-50705DEF4A07}" srcOrd="10" destOrd="0" presId="urn:microsoft.com/office/officeart/2005/8/layout/hProcess9"/>
-    <dgm:cxn modelId="{2B277576-6328-854E-B12F-21B0271FEC8A}" type="presParOf" srcId="{0D3DF9D9-1387-2A4D-9C34-01823499D28E}" destId="{B155D48C-D975-514B-8D28-57C720A28C38}" srcOrd="11" destOrd="0" presId="urn:microsoft.com/office/officeart/2005/8/layout/hProcess9"/>
-    <dgm:cxn modelId="{0EFF9546-EC87-0644-9F76-D5B4E33CC823}" type="presParOf" srcId="{0D3DF9D9-1387-2A4D-9C34-01823499D28E}" destId="{2287A0F4-B4FD-B64A-A5D4-06D31717B59F}" srcOrd="12" destOrd="0" presId="urn:microsoft.com/office/officeart/2005/8/layout/hProcess9"/>
+    <dgm:cxn modelId="{B39F8522-8FF0-DE4C-89E9-54CC8C01E295}" type="presParOf" srcId="{0D3DF9D9-1387-2A4D-9C34-01823499D28E}" destId="{06E851A5-8887-5743-A7F8-B19075B0B9B8}" srcOrd="6" destOrd="0" presId="urn:microsoft.com/office/officeart/2005/8/layout/hProcess9"/>
+    <dgm:cxn modelId="{06A4C254-0F30-5D45-B269-7561E5F04288}" type="presParOf" srcId="{0D3DF9D9-1387-2A4D-9C34-01823499D28E}" destId="{E1F72637-FAD3-504D-BCA7-338F36A0E2AF}" srcOrd="7" destOrd="0" presId="urn:microsoft.com/office/officeart/2005/8/layout/hProcess9"/>
+    <dgm:cxn modelId="{C183BC7C-5306-4544-87AE-F21C5E71919C}" type="presParOf" srcId="{0D3DF9D9-1387-2A4D-9C34-01823499D28E}" destId="{611AEB3C-F43C-D649-855A-EE05BC42915D}" srcOrd="8" destOrd="0" presId="urn:microsoft.com/office/officeart/2005/8/layout/hProcess9"/>
+    <dgm:cxn modelId="{97816C1C-640E-B04D-8E52-CA8878C6C7DB}" type="presParOf" srcId="{0D3DF9D9-1387-2A4D-9C34-01823499D28E}" destId="{A3FA3113-512E-DD4F-ABAF-DC56CE8151BE}" srcOrd="9" destOrd="0" presId="urn:microsoft.com/office/officeart/2005/8/layout/hProcess9"/>
+    <dgm:cxn modelId="{36BEA58B-1E2B-7944-8BB0-6C573E63AB25}" type="presParOf" srcId="{0D3DF9D9-1387-2A4D-9C34-01823499D28E}" destId="{5CDEA6FE-B9CD-AE43-8574-5F3F195D9000}" srcOrd="10" destOrd="0" presId="urn:microsoft.com/office/officeart/2005/8/layout/hProcess9"/>
+    <dgm:cxn modelId="{4E7F5FEA-6AD5-6249-B1CC-36C2A02CDFFC}" type="presParOf" srcId="{0D3DF9D9-1387-2A4D-9C34-01823499D28E}" destId="{9485BBE2-7027-B34D-A8E7-1184909DF903}" srcOrd="11" destOrd="0" presId="urn:microsoft.com/office/officeart/2005/8/layout/hProcess9"/>
+    <dgm:cxn modelId="{65F6447B-581A-B346-9B1F-B0A45C915C3C}" type="presParOf" srcId="{0D3DF9D9-1387-2A4D-9C34-01823499D28E}" destId="{939AF2F2-A43C-4949-A69A-50705DEF4A07}" srcOrd="12" destOrd="0" presId="urn:microsoft.com/office/officeart/2005/8/layout/hProcess9"/>
+    <dgm:cxn modelId="{2B277576-6328-854E-B12F-21B0271FEC8A}" type="presParOf" srcId="{0D3DF9D9-1387-2A4D-9C34-01823499D28E}" destId="{B155D48C-D975-514B-8D28-57C720A28C38}" srcOrd="13" destOrd="0" presId="urn:microsoft.com/office/officeart/2005/8/layout/hProcess9"/>
+    <dgm:cxn modelId="{0EFF9546-EC87-0644-9F76-D5B4E33CC823}" type="presParOf" srcId="{0D3DF9D9-1387-2A4D-9C34-01823499D28E}" destId="{2287A0F4-B4FD-B64A-A5D4-06D31717B59F}" srcOrd="14" destOrd="0" presId="urn:microsoft.com/office/officeart/2005/8/layout/hProcess9"/>
   </dgm:cxnLst>
   <dgm:bg/>
   <dgm:whole/>
@@ -9533,8 +9571,8 @@
       </dsp:nvSpPr>
       <dsp:spPr>
         <a:xfrm>
-          <a:off x="898" y="1305401"/>
-          <a:ext cx="1440246" cy="1740535"/>
+          <a:off x="417" y="1305401"/>
+          <a:ext cx="1259253" cy="1740535"/>
         </a:xfrm>
         <a:prstGeom prst="roundRect">
           <a:avLst/>
@@ -9576,12 +9614,12 @@
         </a:fontRef>
       </dsp:style>
       <dsp:txBody>
-        <a:bodyPr spcFirstLastPara="0" vert="horz" wrap="square" lIns="34290" tIns="34290" rIns="34290" bIns="34290" numCol="1" spcCol="1270" anchor="ctr" anchorCtr="0">
+        <a:bodyPr spcFirstLastPara="0" vert="horz" wrap="square" lIns="30480" tIns="30480" rIns="30480" bIns="30480" numCol="1" spcCol="1270" anchor="ctr" anchorCtr="0">
           <a:noAutofit/>
         </a:bodyPr>
         <a:lstStyle/>
         <a:p>
-          <a:pPr marL="0" lvl="0" indent="0" algn="ctr" defTabSz="400050">
+          <a:pPr marL="0" lvl="0" indent="0" algn="ctr" defTabSz="355600">
             <a:lnSpc>
               <a:spcPct val="90000"/>
             </a:lnSpc>
@@ -9594,15 +9632,15 @@
             <a:buNone/>
           </a:pPr>
           <a:r>
-            <a:rPr lang="es-EC" sz="900" kern="1200" dirty="0"/>
+            <a:rPr lang="es-EC" sz="800" kern="1200" dirty="0"/>
             <a:t>PDFs Nuevos (DIR_NUEVOS)</a:t>
           </a:r>
-          <a:endParaRPr lang="es-MX" sz="900" kern="1200" dirty="0"/>
+          <a:endParaRPr lang="es-MX" sz="800" kern="1200" dirty="0"/>
         </a:p>
       </dsp:txBody>
       <dsp:txXfrm>
-        <a:off x="71205" y="1375708"/>
-        <a:ext cx="1299632" cy="1599921"/>
+        <a:off x="61889" y="1366873"/>
+        <a:ext cx="1136309" cy="1617591"/>
       </dsp:txXfrm>
     </dsp:sp>
     <dsp:sp modelId="{14954F7E-ABAA-D04E-ACCD-1438E58C4D3E}">
@@ -9612,8 +9650,8 @@
       </dsp:nvSpPr>
       <dsp:spPr>
         <a:xfrm>
-          <a:off x="1513157" y="1305401"/>
-          <a:ext cx="1440246" cy="1740535"/>
+          <a:off x="1322633" y="1305401"/>
+          <a:ext cx="1259253" cy="1740535"/>
         </a:xfrm>
         <a:prstGeom prst="roundRect">
           <a:avLst/>
@@ -9655,12 +9693,12 @@
         </a:fontRef>
       </dsp:style>
       <dsp:txBody>
-        <a:bodyPr spcFirstLastPara="0" vert="horz" wrap="square" lIns="34290" tIns="34290" rIns="34290" bIns="34290" numCol="1" spcCol="1270" anchor="ctr" anchorCtr="0">
+        <a:bodyPr spcFirstLastPara="0" vert="horz" wrap="square" lIns="30480" tIns="30480" rIns="30480" bIns="30480" numCol="1" spcCol="1270" anchor="ctr" anchorCtr="0">
           <a:noAutofit/>
         </a:bodyPr>
         <a:lstStyle/>
         <a:p>
-          <a:pPr marL="0" lvl="0" indent="0" algn="ctr" defTabSz="400050">
+          <a:pPr marL="0" lvl="0" indent="0" algn="ctr" defTabSz="355600">
             <a:lnSpc>
               <a:spcPct val="90000"/>
             </a:lnSpc>
@@ -9673,15 +9711,15 @@
             <a:buNone/>
           </a:pPr>
           <a:r>
-            <a:rPr lang="es-EC" sz="900" kern="1200" dirty="0"/>
+            <a:rPr lang="es-EC" sz="800" kern="1200" dirty="0"/>
             <a:t>Extrae texto con OCR</a:t>
           </a:r>
-          <a:endParaRPr lang="es-MX" sz="900" kern="1200" dirty="0"/>
+          <a:endParaRPr lang="es-MX" sz="800" kern="1200" dirty="0"/>
         </a:p>
       </dsp:txBody>
       <dsp:txXfrm>
-        <a:off x="1583464" y="1375708"/>
-        <a:ext cx="1299632" cy="1599921"/>
+        <a:off x="1384105" y="1366873"/>
+        <a:ext cx="1136309" cy="1617591"/>
       </dsp:txXfrm>
     </dsp:sp>
     <dsp:sp modelId="{618E9BC1-2D13-2F4A-B92D-F923B1735172}">
@@ -9691,8 +9729,8 @@
       </dsp:nvSpPr>
       <dsp:spPr>
         <a:xfrm>
-          <a:off x="3025417" y="1305401"/>
-          <a:ext cx="1440246" cy="1740535"/>
+          <a:off x="2644849" y="1305401"/>
+          <a:ext cx="1259253" cy="1740535"/>
         </a:xfrm>
         <a:prstGeom prst="roundRect">
           <a:avLst/>
@@ -9734,12 +9772,12 @@
         </a:fontRef>
       </dsp:style>
       <dsp:txBody>
-        <a:bodyPr spcFirstLastPara="0" vert="horz" wrap="square" lIns="34290" tIns="34290" rIns="34290" bIns="34290" numCol="1" spcCol="1270" anchor="ctr" anchorCtr="0">
+        <a:bodyPr spcFirstLastPara="0" vert="horz" wrap="square" lIns="30480" tIns="30480" rIns="30480" bIns="30480" numCol="1" spcCol="1270" anchor="ctr" anchorCtr="0">
           <a:noAutofit/>
         </a:bodyPr>
         <a:lstStyle/>
         <a:p>
-          <a:pPr marL="0" lvl="0" indent="0" algn="ctr" defTabSz="400050">
+          <a:pPr marL="0" lvl="0" indent="0" algn="ctr" defTabSz="355600">
             <a:lnSpc>
               <a:spcPct val="90000"/>
             </a:lnSpc>
@@ -9752,26 +9790,26 @@
             <a:buNone/>
           </a:pPr>
           <a:r>
-            <a:rPr lang="es-EC" sz="900" kern="1200" dirty="0"/>
+            <a:rPr lang="es-EC" sz="800" kern="1200" dirty="0"/>
             <a:t>Procesamiento de texto (spaCy)  (lemmatización, eliminación de ruido</a:t>
           </a:r>
-          <a:endParaRPr lang="es-MX" sz="900" kern="1200" dirty="0"/>
+          <a:endParaRPr lang="es-MX" sz="800" kern="1200" dirty="0"/>
         </a:p>
       </dsp:txBody>
       <dsp:txXfrm>
-        <a:off x="3095724" y="1375708"/>
-        <a:ext cx="1299632" cy="1599921"/>
+        <a:off x="2706321" y="1366873"/>
+        <a:ext cx="1136309" cy="1617591"/>
       </dsp:txXfrm>
     </dsp:sp>
-    <dsp:sp modelId="{611AEB3C-F43C-D649-855A-EE05BC42915D}">
+    <dsp:sp modelId="{06E851A5-8887-5743-A7F8-B19075B0B9B8}">
       <dsp:nvSpPr>
         <dsp:cNvPr id="0" name=""/>
         <dsp:cNvSpPr/>
       </dsp:nvSpPr>
       <dsp:spPr>
         <a:xfrm>
-          <a:off x="4537676" y="1305401"/>
-          <a:ext cx="1440246" cy="1740535"/>
+          <a:off x="3967065" y="1305401"/>
+          <a:ext cx="1259253" cy="1740535"/>
         </a:xfrm>
         <a:prstGeom prst="roundRect">
           <a:avLst/>
@@ -9813,12 +9851,12 @@
         </a:fontRef>
       </dsp:style>
       <dsp:txBody>
-        <a:bodyPr spcFirstLastPara="0" vert="horz" wrap="square" lIns="34290" tIns="34290" rIns="34290" bIns="34290" numCol="1" spcCol="1270" anchor="ctr" anchorCtr="0">
+        <a:bodyPr spcFirstLastPara="0" vert="horz" wrap="square" lIns="30480" tIns="30480" rIns="30480" bIns="30480" numCol="1" spcCol="1270" anchor="ctr" anchorCtr="0">
           <a:noAutofit/>
         </a:bodyPr>
         <a:lstStyle/>
         <a:p>
-          <a:pPr marL="0" lvl="0" indent="0" algn="ctr" defTabSz="400050">
+          <a:pPr marL="0" lvl="0" indent="0" algn="ctr" defTabSz="355600">
             <a:lnSpc>
               <a:spcPct val="90000"/>
             </a:lnSpc>
@@ -9831,26 +9869,25 @@
             <a:buNone/>
           </a:pPr>
           <a:r>
-            <a:rPr lang="es-EC" sz="900" kern="1200" dirty="0"/>
-            <a:t>Generación de embeddings (BERT)  </a:t>
+            <a:rPr lang="es-MX" sz="800" kern="1200" dirty="0"/>
+            <a:t>Pocesamiento LLMS</a:t>
           </a:r>
-          <a:endParaRPr lang="es-MX" sz="900" kern="1200" dirty="0"/>
         </a:p>
       </dsp:txBody>
       <dsp:txXfrm>
-        <a:off x="4607983" y="1375708"/>
-        <a:ext cx="1299632" cy="1599921"/>
+        <a:off x="4028537" y="1366873"/>
+        <a:ext cx="1136309" cy="1617591"/>
       </dsp:txXfrm>
     </dsp:sp>
-    <dsp:sp modelId="{5CDEA6FE-B9CD-AE43-8574-5F3F195D9000}">
+    <dsp:sp modelId="{611AEB3C-F43C-D649-855A-EE05BC42915D}">
       <dsp:nvSpPr>
         <dsp:cNvPr id="0" name=""/>
         <dsp:cNvSpPr/>
       </dsp:nvSpPr>
       <dsp:spPr>
         <a:xfrm>
-          <a:off x="6049935" y="1305401"/>
-          <a:ext cx="1440246" cy="1740535"/>
+          <a:off x="5289281" y="1305401"/>
+          <a:ext cx="1259253" cy="1740535"/>
         </a:xfrm>
         <a:prstGeom prst="roundRect">
           <a:avLst/>
@@ -9892,12 +9929,12 @@
         </a:fontRef>
       </dsp:style>
       <dsp:txBody>
-        <a:bodyPr spcFirstLastPara="0" vert="horz" wrap="square" lIns="34290" tIns="34290" rIns="34290" bIns="34290" numCol="1" spcCol="1270" anchor="ctr" anchorCtr="0">
+        <a:bodyPr spcFirstLastPara="0" vert="horz" wrap="square" lIns="30480" tIns="30480" rIns="30480" bIns="30480" numCol="1" spcCol="1270" anchor="ctr" anchorCtr="0">
           <a:noAutofit/>
         </a:bodyPr>
         <a:lstStyle/>
         <a:p>
-          <a:pPr marL="0" lvl="0" indent="0" algn="ctr" defTabSz="400050">
+          <a:pPr marL="0" lvl="0" indent="0" algn="ctr" defTabSz="355600">
             <a:lnSpc>
               <a:spcPct val="90000"/>
             </a:lnSpc>
@@ -9910,26 +9947,26 @@
             <a:buNone/>
           </a:pPr>
           <a:r>
-            <a:rPr lang="es-EC" sz="900" kern="1200" dirty="0"/>
-            <a:t>Almacena en FAISS y ChromaDB </a:t>
+            <a:rPr lang="es-EC" sz="800" kern="1200" dirty="0"/>
+            <a:t>Generación de embeddings (BERT)  </a:t>
           </a:r>
-          <a:endParaRPr lang="es-MX" sz="900" kern="1200" dirty="0"/>
+          <a:endParaRPr lang="es-MX" sz="800" kern="1200" dirty="0"/>
         </a:p>
       </dsp:txBody>
       <dsp:txXfrm>
-        <a:off x="6120242" y="1375708"/>
-        <a:ext cx="1299632" cy="1599921"/>
+        <a:off x="5350753" y="1366873"/>
+        <a:ext cx="1136309" cy="1617591"/>
       </dsp:txXfrm>
     </dsp:sp>
-    <dsp:sp modelId="{939AF2F2-A43C-4949-A69A-50705DEF4A07}">
+    <dsp:sp modelId="{5CDEA6FE-B9CD-AE43-8574-5F3F195D9000}">
       <dsp:nvSpPr>
         <dsp:cNvPr id="0" name=""/>
         <dsp:cNvSpPr/>
       </dsp:nvSpPr>
       <dsp:spPr>
         <a:xfrm>
-          <a:off x="7562195" y="1305401"/>
-          <a:ext cx="1440246" cy="1740535"/>
+          <a:off x="6611497" y="1305401"/>
+          <a:ext cx="1259253" cy="1740535"/>
         </a:xfrm>
         <a:prstGeom prst="roundRect">
           <a:avLst/>
@@ -9971,12 +10008,12 @@
         </a:fontRef>
       </dsp:style>
       <dsp:txBody>
-        <a:bodyPr spcFirstLastPara="0" vert="horz" wrap="square" lIns="34290" tIns="34290" rIns="34290" bIns="34290" numCol="1" spcCol="1270" anchor="ctr" anchorCtr="0">
+        <a:bodyPr spcFirstLastPara="0" vert="horz" wrap="square" lIns="30480" tIns="30480" rIns="30480" bIns="30480" numCol="1" spcCol="1270" anchor="ctr" anchorCtr="0">
           <a:noAutofit/>
         </a:bodyPr>
         <a:lstStyle/>
         <a:p>
-          <a:pPr marL="0" lvl="0" indent="0" algn="ctr" defTabSz="400050">
+          <a:pPr marL="0" lvl="0" indent="0" algn="ctr" defTabSz="355600">
             <a:lnSpc>
               <a:spcPct val="90000"/>
             </a:lnSpc>
@@ -9989,26 +10026,26 @@
             <a:buNone/>
           </a:pPr>
           <a:r>
-            <a:rPr lang="es-EC" sz="900" kern="1200" dirty="0"/>
-            <a:t>Motor de búsqueda   (Similitud semántica) </a:t>
+            <a:rPr lang="es-EC" sz="800" kern="1200" dirty="0"/>
+            <a:t>Almacena en FAISS y ChromaDB </a:t>
           </a:r>
-          <a:endParaRPr lang="es-MX" sz="900" kern="1200" dirty="0"/>
+          <a:endParaRPr lang="es-MX" sz="800" kern="1200" dirty="0"/>
         </a:p>
       </dsp:txBody>
       <dsp:txXfrm>
-        <a:off x="7632502" y="1375708"/>
-        <a:ext cx="1299632" cy="1599921"/>
+        <a:off x="6672969" y="1366873"/>
+        <a:ext cx="1136309" cy="1617591"/>
       </dsp:txXfrm>
     </dsp:sp>
-    <dsp:sp modelId="{2287A0F4-B4FD-B64A-A5D4-06D31717B59F}">
+    <dsp:sp modelId="{939AF2F2-A43C-4949-A69A-50705DEF4A07}">
       <dsp:nvSpPr>
         <dsp:cNvPr id="0" name=""/>
         <dsp:cNvSpPr/>
       </dsp:nvSpPr>
       <dsp:spPr>
         <a:xfrm>
-          <a:off x="9074454" y="1305401"/>
-          <a:ext cx="1440246" cy="1740535"/>
+          <a:off x="7933713" y="1305401"/>
+          <a:ext cx="1259253" cy="1740535"/>
         </a:xfrm>
         <a:prstGeom prst="roundRect">
           <a:avLst/>
@@ -10050,12 +10087,12 @@
         </a:fontRef>
       </dsp:style>
       <dsp:txBody>
-        <a:bodyPr spcFirstLastPara="0" vert="horz" wrap="square" lIns="34290" tIns="34290" rIns="34290" bIns="34290" numCol="1" spcCol="1270" anchor="ctr" anchorCtr="0">
+        <a:bodyPr spcFirstLastPara="0" vert="horz" wrap="square" lIns="30480" tIns="30480" rIns="30480" bIns="30480" numCol="1" spcCol="1270" anchor="ctr" anchorCtr="0">
           <a:noAutofit/>
         </a:bodyPr>
         <a:lstStyle/>
         <a:p>
-          <a:pPr marL="0" lvl="0" indent="0" algn="ctr" defTabSz="400050">
+          <a:pPr marL="0" lvl="0" indent="0" algn="ctr" defTabSz="355600">
             <a:lnSpc>
               <a:spcPct val="90000"/>
             </a:lnSpc>
@@ -10068,15 +10105,94 @@
             <a:buNone/>
           </a:pPr>
           <a:r>
-            <a:rPr lang="es-EC" sz="900" kern="1200" dirty="0"/>
-            <a:t>API REST (FastAPI) Retorna resultados </a:t>
+            <a:rPr lang="es-EC" sz="800" kern="1200" dirty="0"/>
+            <a:t>Motor de búsqueda   (Similitud semántica) </a:t>
           </a:r>
-          <a:endParaRPr lang="es-MX" sz="900" kern="1200" dirty="0"/>
+          <a:endParaRPr lang="es-MX" sz="800" kern="1200" dirty="0"/>
         </a:p>
       </dsp:txBody>
       <dsp:txXfrm>
-        <a:off x="9144761" y="1375708"/>
-        <a:ext cx="1299632" cy="1599921"/>
+        <a:off x="7995185" y="1366873"/>
+        <a:ext cx="1136309" cy="1617591"/>
+      </dsp:txXfrm>
+    </dsp:sp>
+    <dsp:sp modelId="{2287A0F4-B4FD-B64A-A5D4-06D31717B59F}">
+      <dsp:nvSpPr>
+        <dsp:cNvPr id="0" name=""/>
+        <dsp:cNvSpPr/>
+      </dsp:nvSpPr>
+      <dsp:spPr>
+        <a:xfrm>
+          <a:off x="9255929" y="1305401"/>
+          <a:ext cx="1259253" cy="1740535"/>
+        </a:xfrm>
+        <a:prstGeom prst="roundRect">
+          <a:avLst/>
+        </a:prstGeom>
+        <a:solidFill>
+          <a:schemeClr val="accent1">
+            <a:hueOff val="0"/>
+            <a:satOff val="0"/>
+            <a:lumOff val="0"/>
+            <a:alphaOff val="0"/>
+          </a:schemeClr>
+        </a:solidFill>
+        <a:ln w="12700" cap="flat" cmpd="sng" algn="ctr">
+          <a:solidFill>
+            <a:schemeClr val="lt1">
+              <a:hueOff val="0"/>
+              <a:satOff val="0"/>
+              <a:lumOff val="0"/>
+              <a:alphaOff val="0"/>
+            </a:schemeClr>
+          </a:solidFill>
+          <a:prstDash val="solid"/>
+          <a:miter lim="800000"/>
+        </a:ln>
+        <a:effectLst/>
+      </dsp:spPr>
+      <dsp:style>
+        <a:lnRef idx="2">
+          <a:scrgbClr r="0" g="0" b="0"/>
+        </a:lnRef>
+        <a:fillRef idx="1">
+          <a:scrgbClr r="0" g="0" b="0"/>
+        </a:fillRef>
+        <a:effectRef idx="0">
+          <a:scrgbClr r="0" g="0" b="0"/>
+        </a:effectRef>
+        <a:fontRef idx="minor">
+          <a:schemeClr val="lt1"/>
+        </a:fontRef>
+      </dsp:style>
+      <dsp:txBody>
+        <a:bodyPr spcFirstLastPara="0" vert="horz" wrap="square" lIns="30480" tIns="30480" rIns="30480" bIns="30480" numCol="1" spcCol="1270" anchor="ctr" anchorCtr="0">
+          <a:noAutofit/>
+        </a:bodyPr>
+        <a:lstStyle/>
+        <a:p>
+          <a:pPr marL="0" lvl="0" indent="0" algn="ctr" defTabSz="355600">
+            <a:lnSpc>
+              <a:spcPct val="90000"/>
+            </a:lnSpc>
+            <a:spcBef>
+              <a:spcPct val="0"/>
+            </a:spcBef>
+            <a:spcAft>
+              <a:spcPct val="35000"/>
+            </a:spcAft>
+            <a:buNone/>
+          </a:pPr>
+          <a:r>
+            <a:rPr lang="es-EC" sz="800" kern="1200" dirty="0"/>
+            <a:t>API REST (FastAPI) Retorna resultados </a:t>
+          </a:r>
+          <a:endParaRPr lang="es-MX" sz="800" kern="1200" dirty="0"/>
+        </a:p>
+      </dsp:txBody>
+      <dsp:txXfrm>
+        <a:off x="9317401" y="1366873"/>
+        <a:ext cx="1136309" cy="1617591"/>
       </dsp:txXfrm>
     </dsp:sp>
   </dsp:spTree>
@@ -33764,7 +33880,7 @@
             <p:ph idx="1"/>
             <p:extLst>
               <p:ext uri="{D42A27DB-BD31-4B8C-83A1-F6EECF244321}">
-                <p14:modId xmlns:p14="http://schemas.microsoft.com/office/powerpoint/2010/main" val="695270596"/>
+                <p14:modId xmlns:p14="http://schemas.microsoft.com/office/powerpoint/2010/main" val="1300918764"/>
               </p:ext>
             </p:extLst>
           </p:nvPr>

--- a/05_presentacion/Presentación.pptx
+++ b/05_presentacion/Presentación.pptx
@@ -7218,7 +7218,7 @@
         <a:p>
           <a:r>
             <a:rPr lang="es-MX" dirty="0"/>
-            <a:t>3. Extracción de Metadatos</a:t>
+            <a:t>3. Extracción de Metadatos maual y automatizada con API OpenAI</a:t>
           </a:r>
         </a:p>
       </dgm:t>
@@ -10259,12 +10259,12 @@
         </a:fontRef>
       </dsp:style>
       <dsp:txBody>
-        <a:bodyPr spcFirstLastPara="0" vert="horz" wrap="square" lIns="114300" tIns="114300" rIns="114300" bIns="114300" numCol="1" spcCol="1270" anchor="ctr" anchorCtr="0">
+        <a:bodyPr spcFirstLastPara="0" vert="horz" wrap="square" lIns="83820" tIns="83820" rIns="83820" bIns="83820" numCol="1" spcCol="1270" anchor="ctr" anchorCtr="0">
           <a:noAutofit/>
         </a:bodyPr>
         <a:lstStyle/>
         <a:p>
-          <a:pPr marL="0" lvl="0" indent="0" algn="l" defTabSz="1333500">
+          <a:pPr marL="0" lvl="0" indent="0" algn="l" defTabSz="977900">
             <a:lnSpc>
               <a:spcPct val="90000"/>
             </a:lnSpc>
@@ -10277,7 +10277,7 @@
             <a:buNone/>
           </a:pPr>
           <a:r>
-            <a:rPr lang="es-MX" sz="3000" kern="1200" dirty="0"/>
+            <a:rPr lang="es-MX" sz="2200" kern="1200" dirty="0"/>
             <a:t>1. Carga y Organización de Archivos</a:t>
           </a:r>
         </a:p>
@@ -10339,12 +10339,12 @@
         </a:fontRef>
       </dsp:style>
       <dsp:txBody>
-        <a:bodyPr spcFirstLastPara="0" vert="horz" wrap="square" lIns="114300" tIns="114300" rIns="114300" bIns="114300" numCol="1" spcCol="1270" anchor="ctr" anchorCtr="0">
+        <a:bodyPr spcFirstLastPara="0" vert="horz" wrap="square" lIns="83820" tIns="83820" rIns="83820" bIns="83820" numCol="1" spcCol="1270" anchor="ctr" anchorCtr="0">
           <a:noAutofit/>
         </a:bodyPr>
         <a:lstStyle/>
         <a:p>
-          <a:pPr marL="0" lvl="0" indent="0" algn="l" defTabSz="1333500">
+          <a:pPr marL="0" lvl="0" indent="0" algn="l" defTabSz="977900">
             <a:lnSpc>
               <a:spcPct val="90000"/>
             </a:lnSpc>
@@ -10357,7 +10357,7 @@
             <a:buNone/>
           </a:pPr>
           <a:r>
-            <a:rPr lang="es-MX" sz="3000" kern="1200" dirty="0"/>
+            <a:rPr lang="es-MX" sz="2200" kern="1200" dirty="0"/>
             <a:t>2. Extracción y Preprocesamiento de Texto</a:t>
           </a:r>
         </a:p>
@@ -10419,12 +10419,12 @@
         </a:fontRef>
       </dsp:style>
       <dsp:txBody>
-        <a:bodyPr spcFirstLastPara="0" vert="horz" wrap="square" lIns="114300" tIns="114300" rIns="114300" bIns="114300" numCol="1" spcCol="1270" anchor="ctr" anchorCtr="0">
+        <a:bodyPr spcFirstLastPara="0" vert="horz" wrap="square" lIns="83820" tIns="83820" rIns="83820" bIns="83820" numCol="1" spcCol="1270" anchor="ctr" anchorCtr="0">
           <a:noAutofit/>
         </a:bodyPr>
         <a:lstStyle/>
         <a:p>
-          <a:pPr marL="0" lvl="0" indent="0" algn="l" defTabSz="1333500">
+          <a:pPr marL="0" lvl="0" indent="0" algn="l" defTabSz="977900">
             <a:lnSpc>
               <a:spcPct val="90000"/>
             </a:lnSpc>
@@ -10437,8 +10437,8 @@
             <a:buNone/>
           </a:pPr>
           <a:r>
-            <a:rPr lang="es-MX" sz="3000" kern="1200" dirty="0"/>
-            <a:t>3. Extracción de Metadatos</a:t>
+            <a:rPr lang="es-MX" sz="2200" kern="1200" dirty="0"/>
+            <a:t>3. Extracción de Metadatos maual y automatizada con API OpenAI</a:t>
           </a:r>
         </a:p>
       </dsp:txBody>
@@ -10499,12 +10499,12 @@
         </a:fontRef>
       </dsp:style>
       <dsp:txBody>
-        <a:bodyPr spcFirstLastPara="0" vert="horz" wrap="square" lIns="114300" tIns="114300" rIns="114300" bIns="114300" numCol="1" spcCol="1270" anchor="ctr" anchorCtr="0">
+        <a:bodyPr spcFirstLastPara="0" vert="horz" wrap="square" lIns="83820" tIns="83820" rIns="83820" bIns="83820" numCol="1" spcCol="1270" anchor="ctr" anchorCtr="0">
           <a:noAutofit/>
         </a:bodyPr>
         <a:lstStyle/>
         <a:p>
-          <a:pPr marL="0" lvl="0" indent="0" algn="l" defTabSz="1333500">
+          <a:pPr marL="0" lvl="0" indent="0" algn="l" defTabSz="977900">
             <a:lnSpc>
               <a:spcPct val="90000"/>
             </a:lnSpc>
@@ -10517,7 +10517,7 @@
             <a:buNone/>
           </a:pPr>
           <a:r>
-            <a:rPr lang="es-MX" sz="3000" kern="1200" dirty="0"/>
+            <a:rPr lang="es-MX" sz="2200" kern="1200" dirty="0"/>
             <a:t> 4. Indexación y Búsqueda Semántica</a:t>
           </a:r>
         </a:p>
@@ -10579,12 +10579,12 @@
         </a:fontRef>
       </dsp:style>
       <dsp:txBody>
-        <a:bodyPr spcFirstLastPara="0" vert="horz" wrap="square" lIns="114300" tIns="114300" rIns="114300" bIns="114300" numCol="1" spcCol="1270" anchor="ctr" anchorCtr="0">
+        <a:bodyPr spcFirstLastPara="0" vert="horz" wrap="square" lIns="83820" tIns="83820" rIns="83820" bIns="83820" numCol="1" spcCol="1270" anchor="ctr" anchorCtr="0">
           <a:noAutofit/>
         </a:bodyPr>
         <a:lstStyle/>
         <a:p>
-          <a:pPr marL="0" lvl="0" indent="0" algn="l" defTabSz="1333500">
+          <a:pPr marL="0" lvl="0" indent="0" algn="l" defTabSz="977900">
             <a:lnSpc>
               <a:spcPct val="90000"/>
             </a:lnSpc>
@@ -10597,7 +10597,7 @@
             <a:buNone/>
           </a:pPr>
           <a:r>
-            <a:rPr lang="es-MX" sz="3000" kern="1200" dirty="0"/>
+            <a:rPr lang="es-MX" sz="2200" kern="1200" dirty="0"/>
             <a:t>5. Almacenamiento en Base de Datos</a:t>
           </a:r>
         </a:p>
@@ -33971,7 +33971,9 @@
         </p:nvSpPr>
         <p:spPr/>
         <p:txBody>
-          <a:bodyPr/>
+          <a:bodyPr>
+            <a:normAutofit lnSpcReduction="10000"/>
+          </a:bodyPr>
           <a:lstStyle/>
           <a:p>
             <a:pPr algn="l">
@@ -34044,6 +34046,26 @@
               </a:rPr>
               <a:t> Uso de FAISS y ChromaDB para consultas eficientes.</a:t>
             </a:r>
+          </a:p>
+          <a:p>
+            <a:pPr algn="l">
+              <a:buFont typeface="Arial" panose="020B0604020202020204" pitchFamily="34" charset="0"/>
+              <a:buChar char="•"/>
+            </a:pPr>
+            <a:r>
+              <a:rPr lang="es-EC" dirty="0">
+                <a:solidFill>
+                  <a:srgbClr val="000000"/>
+                </a:solidFill>
+              </a:rPr>
+              <a:t>Metadata por API OPENAI: Uso de API para detectar metadata de trexto</a:t>
+            </a:r>
+            <a:endParaRPr lang="es-EC" b="0" i="0" u="none" strike="noStrike" dirty="0">
+              <a:solidFill>
+                <a:srgbClr val="000000"/>
+              </a:solidFill>
+              <a:effectLst/>
+            </a:endParaRPr>
           </a:p>
           <a:p>
             <a:pPr algn="l">
@@ -34151,7 +34173,7 @@
             <p:ph idx="1"/>
             <p:extLst>
               <p:ext uri="{D42A27DB-BD31-4B8C-83A1-F6EECF244321}">
-                <p14:modId xmlns:p14="http://schemas.microsoft.com/office/powerpoint/2010/main" val="219928999"/>
+                <p14:modId xmlns:p14="http://schemas.microsoft.com/office/powerpoint/2010/main" val="3378300780"/>
               </p:ext>
             </p:extLst>
           </p:nvPr>
